--- a/presentaciones/presentacion_spg.pptx
+++ b/presentaciones/presentacion_spg.pptx
@@ -10902,7 +10902,7 @@
             <a:tbl>
               <a:tblPr>
                 <a:noFill/>
-                <a:tableStyleId>{6B8348DC-966B-4E70-8EEA-6AA113C6C91B}</a:tableStyleId>
+                <a:tableStyleId>{5EC1D4BB-9FE1-4342-9787-EC3B0B92A1E6}</a:tableStyleId>
               </a:tblPr>
               <a:tblGrid>
                 <a:gridCol w="2103825"/>
@@ -10944,7 +10944,6 @@
                       <a:headEnd len="sm" w="sm" type="none"/>
                       <a:tailEnd len="sm" w="sm" type="none"/>
                     </a:lnB>
-                    <a:noFill/>
                   </a:tcPr>
                 </a:tc>
                 <a:tc>
@@ -10981,7 +10980,6 @@
                       <a:headEnd len="sm" w="sm" type="none"/>
                       <a:tailEnd len="sm" w="sm" type="none"/>
                     </a:lnB>
-                    <a:noFill/>
                   </a:tcPr>
                 </a:tc>
                 <a:tc>
@@ -11018,7 +11016,6 @@
                       <a:headEnd len="sm" w="sm" type="none"/>
                       <a:tailEnd len="sm" w="sm" type="none"/>
                     </a:lnB>
-                    <a:noFill/>
                   </a:tcPr>
                 </a:tc>
               </a:tr>
@@ -11066,7 +11063,6 @@
                       <a:headEnd len="sm" w="sm" type="none"/>
                       <a:tailEnd len="sm" w="sm" type="none"/>
                     </a:lnB>
-                    <a:noFill/>
                   </a:tcPr>
                 </a:tc>
                 <a:tc>
@@ -11124,7 +11120,6 @@
                       <a:headEnd len="sm" w="sm" type="none"/>
                       <a:tailEnd len="sm" w="sm" type="none"/>
                     </a:lnB>
-                    <a:noFill/>
                   </a:tcPr>
                 </a:tc>
                 <a:tc>
@@ -11182,7 +11177,6 @@
                       <a:headEnd len="sm" w="sm" type="none"/>
                       <a:tailEnd len="sm" w="sm" type="none"/>
                     </a:lnB>
-                    <a:noFill/>
                   </a:tcPr>
                 </a:tc>
               </a:tr>
@@ -11230,7 +11224,6 @@
                       <a:headEnd len="sm" w="sm" type="none"/>
                       <a:tailEnd len="sm" w="sm" type="none"/>
                     </a:lnB>
-                    <a:noFill/>
                   </a:tcPr>
                 </a:tc>
                 <a:tc>
@@ -11284,7 +11277,6 @@
                       <a:headEnd len="sm" w="sm" type="none"/>
                       <a:tailEnd len="sm" w="sm" type="none"/>
                     </a:lnB>
-                    <a:noFill/>
                   </a:tcPr>
                 </a:tc>
                 <a:tc>
@@ -11342,7 +11334,6 @@
                       <a:headEnd len="sm" w="sm" type="none"/>
                       <a:tailEnd len="sm" w="sm" type="none"/>
                     </a:lnB>
-                    <a:noFill/>
                   </a:tcPr>
                 </a:tc>
               </a:tr>
@@ -11390,7 +11381,6 @@
                       <a:headEnd len="sm" w="sm" type="none"/>
                       <a:tailEnd len="sm" w="sm" type="none"/>
                     </a:lnB>
-                    <a:noFill/>
                   </a:tcPr>
                 </a:tc>
                 <a:tc>
@@ -11444,7 +11434,6 @@
                       <a:headEnd len="sm" w="sm" type="none"/>
                       <a:tailEnd len="sm" w="sm" type="none"/>
                     </a:lnB>
-                    <a:noFill/>
                   </a:tcPr>
                 </a:tc>
                 <a:tc>
@@ -11498,7 +11487,6 @@
                       <a:headEnd len="sm" w="sm" type="none"/>
                       <a:tailEnd len="sm" w="sm" type="none"/>
                     </a:lnB>
-                    <a:noFill/>
                   </a:tcPr>
                 </a:tc>
               </a:tr>
@@ -11546,7 +11534,6 @@
                       <a:headEnd len="sm" w="sm" type="none"/>
                       <a:tailEnd len="sm" w="sm" type="none"/>
                     </a:lnB>
-                    <a:noFill/>
                   </a:tcPr>
                 </a:tc>
                 <a:tc>
@@ -11596,7 +11583,6 @@
                       <a:headEnd len="sm" w="sm" type="none"/>
                       <a:tailEnd len="sm" w="sm" type="none"/>
                     </a:lnB>
-                    <a:noFill/>
                   </a:tcPr>
                 </a:tc>
                 <a:tc>
@@ -11654,7 +11640,6 @@
                       <a:headEnd len="sm" w="sm" type="none"/>
                       <a:tailEnd len="sm" w="sm" type="none"/>
                     </a:lnB>
-                    <a:noFill/>
                   </a:tcPr>
                 </a:tc>
               </a:tr>
@@ -11702,7 +11687,6 @@
                       <a:headEnd len="sm" w="sm" type="none"/>
                       <a:tailEnd len="sm" w="sm" type="none"/>
                     </a:lnB>
-                    <a:noFill/>
                   </a:tcPr>
                 </a:tc>
                 <a:tc>
@@ -11760,7 +11744,6 @@
                       <a:headEnd len="sm" w="sm" type="none"/>
                       <a:tailEnd len="sm" w="sm" type="none"/>
                     </a:lnB>
-                    <a:noFill/>
                   </a:tcPr>
                 </a:tc>
                 <a:tc>
@@ -11810,7 +11793,6 @@
                       <a:headEnd len="sm" w="sm" type="none"/>
                       <a:tailEnd len="sm" w="sm" type="none"/>
                     </a:lnB>
-                    <a:noFill/>
                   </a:tcPr>
                 </a:tc>
               </a:tr>
@@ -16632,7 +16614,7 @@
             <a:tbl>
               <a:tblPr>
                 <a:noFill/>
-                <a:tableStyleId>{6B8348DC-966B-4E70-8EEA-6AA113C6C91B}</a:tableStyleId>
+                <a:tableStyleId>{5EC1D4BB-9FE1-4342-9787-EC3B0B92A1E6}</a:tableStyleId>
               </a:tblPr>
               <a:tblGrid>
                 <a:gridCol w="2103825"/>
@@ -16674,7 +16656,6 @@
                       <a:headEnd len="sm" w="sm" type="none"/>
                       <a:tailEnd len="sm" w="sm" type="none"/>
                     </a:lnB>
-                    <a:noFill/>
                   </a:tcPr>
                 </a:tc>
                 <a:tc>
@@ -16711,7 +16692,6 @@
                       <a:headEnd len="sm" w="sm" type="none"/>
                       <a:tailEnd len="sm" w="sm" type="none"/>
                     </a:lnB>
-                    <a:noFill/>
                   </a:tcPr>
                 </a:tc>
                 <a:tc>
@@ -16748,7 +16728,6 @@
                       <a:headEnd len="sm" w="sm" type="none"/>
                       <a:tailEnd len="sm" w="sm" type="none"/>
                     </a:lnB>
-                    <a:noFill/>
                   </a:tcPr>
                 </a:tc>
               </a:tr>
@@ -16796,7 +16775,6 @@
                       <a:headEnd len="sm" w="sm" type="none"/>
                       <a:tailEnd len="sm" w="sm" type="none"/>
                     </a:lnB>
-                    <a:noFill/>
                   </a:tcPr>
                 </a:tc>
                 <a:tc>
@@ -16846,7 +16824,6 @@
                       <a:headEnd len="sm" w="sm" type="none"/>
                       <a:tailEnd len="sm" w="sm" type="none"/>
                     </a:lnB>
-                    <a:noFill/>
                   </a:tcPr>
                 </a:tc>
                 <a:tc>
@@ -16896,7 +16873,6 @@
                       <a:headEnd len="sm" w="sm" type="none"/>
                       <a:tailEnd len="sm" w="sm" type="none"/>
                     </a:lnB>
-                    <a:noFill/>
                   </a:tcPr>
                 </a:tc>
               </a:tr>
@@ -16944,7 +16920,6 @@
                       <a:headEnd len="sm" w="sm" type="none"/>
                       <a:tailEnd len="sm" w="sm" type="none"/>
                     </a:lnB>
-                    <a:noFill/>
                   </a:tcPr>
                 </a:tc>
                 <a:tc>
@@ -16994,7 +16969,6 @@
                       <a:headEnd len="sm" w="sm" type="none"/>
                       <a:tailEnd len="sm" w="sm" type="none"/>
                     </a:lnB>
-                    <a:noFill/>
                   </a:tcPr>
                 </a:tc>
                 <a:tc>
@@ -17044,7 +17018,6 @@
                       <a:headEnd len="sm" w="sm" type="none"/>
                       <a:tailEnd len="sm" w="sm" type="none"/>
                     </a:lnB>
-                    <a:noFill/>
                   </a:tcPr>
                 </a:tc>
               </a:tr>
@@ -17092,7 +17065,6 @@
                       <a:headEnd len="sm" w="sm" type="none"/>
                       <a:tailEnd len="sm" w="sm" type="none"/>
                     </a:lnB>
-                    <a:noFill/>
                   </a:tcPr>
                 </a:tc>
                 <a:tc>
@@ -17142,7 +17114,6 @@
                       <a:headEnd len="sm" w="sm" type="none"/>
                       <a:tailEnd len="sm" w="sm" type="none"/>
                     </a:lnB>
-                    <a:noFill/>
                   </a:tcPr>
                 </a:tc>
                 <a:tc>
@@ -17192,7 +17163,6 @@
                       <a:headEnd len="sm" w="sm" type="none"/>
                       <a:tailEnd len="sm" w="sm" type="none"/>
                     </a:lnB>
-                    <a:noFill/>
                   </a:tcPr>
                 </a:tc>
               </a:tr>
@@ -17240,7 +17210,6 @@
                       <a:headEnd len="sm" w="sm" type="none"/>
                       <a:tailEnd len="sm" w="sm" type="none"/>
                     </a:lnB>
-                    <a:noFill/>
                   </a:tcPr>
                 </a:tc>
                 <a:tc>
@@ -17290,7 +17259,6 @@
                       <a:headEnd len="sm" w="sm" type="none"/>
                       <a:tailEnd len="sm" w="sm" type="none"/>
                     </a:lnB>
-                    <a:noFill/>
                   </a:tcPr>
                 </a:tc>
                 <a:tc>
@@ -17348,7 +17316,6 @@
                       <a:headEnd len="sm" w="sm" type="none"/>
                       <a:tailEnd len="sm" w="sm" type="none"/>
                     </a:lnB>
-                    <a:noFill/>
                   </a:tcPr>
                 </a:tc>
               </a:tr>
